--- a/9.Deep_learning/tansorflow/tensor_flow.pptx
+++ b/9.Deep_learning/tansorflow/tensor_flow.pptx
@@ -15,6 +15,18 @@
     <p:sldId id="328" r:id="rId10"/>
     <p:sldId id="330" r:id="rId11"/>
     <p:sldId id="329" r:id="rId12"/>
+    <p:sldId id="335" r:id="rId13"/>
+    <p:sldId id="336" r:id="rId14"/>
+    <p:sldId id="337" r:id="rId15"/>
+    <p:sldId id="338" r:id="rId16"/>
+    <p:sldId id="339" r:id="rId17"/>
+    <p:sldId id="340" r:id="rId18"/>
+    <p:sldId id="341" r:id="rId19"/>
+    <p:sldId id="342" r:id="rId20"/>
+    <p:sldId id="343" r:id="rId21"/>
+    <p:sldId id="344" r:id="rId22"/>
+    <p:sldId id="345" r:id="rId23"/>
+    <p:sldId id="346" r:id="rId24"/>
   </p:sldIdLst>
   <p:sldSz cx="12192000" cy="6858000"/>
   <p:notesSz cx="6858000" cy="9144000"/>
@@ -3833,6 +3845,1498 @@
 </p:sld>
 </file>
 
+<file path=ppt/slides/slide11.xml><?xml version="1.0" encoding="utf-8"?>
+<p:sld xmlns:a="http://schemas.openxmlformats.org/drawingml/2006/main" xmlns:r="http://schemas.openxmlformats.org/officeDocument/2006/relationships" xmlns:p="http://schemas.openxmlformats.org/presentationml/2006/main">
+  <p:cSld>
+    <p:spTree>
+      <p:nvGrpSpPr>
+        <p:cNvPr id="1" name=""/>
+        <p:cNvGrpSpPr/>
+        <p:nvPr/>
+      </p:nvGrpSpPr>
+      <p:grpSpPr/>
+    </p:spTree>
+  </p:cSld>
+  <p:clrMapOvr>
+    <a:masterClrMapping/>
+  </p:clrMapOvr>
+</p:sld>
+</file>
+
+<file path=ppt/slides/slide12.xml><?xml version="1.0" encoding="utf-8"?>
+<p:sld xmlns:a="http://schemas.openxmlformats.org/drawingml/2006/main" xmlns:r="http://schemas.openxmlformats.org/officeDocument/2006/relationships" xmlns:p="http://schemas.openxmlformats.org/presentationml/2006/main">
+  <p:cSld>
+    <p:spTree>
+      <p:nvGrpSpPr>
+        <p:cNvPr id="1" name=""/>
+        <p:cNvGrpSpPr/>
+        <p:nvPr/>
+      </p:nvGrpSpPr>
+      <p:grpSpPr/>
+      <p:sp>
+        <p:nvSpPr>
+          <p:cNvPr id="2" name="Text Box 1"/>
+          <p:cNvSpPr txBox="1"/>
+          <p:nvPr/>
+        </p:nvSpPr>
+        <p:spPr>
+          <a:xfrm>
+            <a:off x="716915" y="485775"/>
+            <a:ext cx="6096000" cy="1106805"/>
+          </a:xfrm>
+          <a:prstGeom prst="rect">
+            <a:avLst/>
+          </a:prstGeom>
+          <a:noFill/>
+        </p:spPr>
+        <p:txBody>
+          <a:bodyPr wrap="square" rtlCol="0" anchor="t">
+            <a:spAutoFit/>
+          </a:bodyPr>
+          <a:p>
+            <a:r>
+              <a:rPr lang="en-US" altLang="en-IN" sz="6600" b="1">
+                <a:effectLst>
+                  <a:outerShdw blurRad="38100" dist="38100" dir="2700000" algn="tl">
+                    <a:srgbClr val="000000">
+                      <a:alpha val="43137"/>
+                    </a:srgbClr>
+                  </a:outerShdw>
+                </a:effectLst>
+                <a:latin typeface="Arial Black" panose="020B0A04020102020204" charset="0"/>
+                <a:cs typeface="Arial Black" panose="020B0A04020102020204" charset="0"/>
+                <a:sym typeface="+mn-ea"/>
+              </a:rPr>
+              <a:t>Keras</a:t>
+            </a:r>
+            <a:endParaRPr lang="en-US" altLang="en-IN" sz="6600" b="1">
+              <a:effectLst>
+                <a:outerShdw blurRad="38100" dist="38100" dir="2700000" algn="tl">
+                  <a:srgbClr val="000000">
+                    <a:alpha val="43137"/>
+                  </a:srgbClr>
+                </a:outerShdw>
+              </a:effectLst>
+              <a:latin typeface="Arial Black" panose="020B0A04020102020204" charset="0"/>
+              <a:cs typeface="Arial Black" panose="020B0A04020102020204" charset="0"/>
+              <a:sym typeface="+mn-ea"/>
+            </a:endParaRPr>
+          </a:p>
+        </p:txBody>
+      </p:sp>
+      <p:sp>
+        <p:nvSpPr>
+          <p:cNvPr id="3" name="Text Box 2"/>
+          <p:cNvSpPr txBox="1"/>
+          <p:nvPr/>
+        </p:nvSpPr>
+        <p:spPr>
+          <a:xfrm>
+            <a:off x="2134235" y="2072957"/>
+            <a:ext cx="5080000" cy="583565"/>
+          </a:xfrm>
+          <a:prstGeom prst="rect">
+            <a:avLst/>
+          </a:prstGeom>
+        </p:spPr>
+        <p:txBody>
+          <a:bodyPr>
+            <a:spAutoFit/>
+          </a:bodyPr>
+          <a:p>
+            <a:r>
+              <a:rPr sz="1600"/>
+              <a:t>Keras is a high-level deep learning API that simplifies the process of building and training neural networks.</a:t>
+            </a:r>
+            <a:endParaRPr sz="1600"/>
+          </a:p>
+        </p:txBody>
+      </p:sp>
+      <p:sp>
+        <p:nvSpPr>
+          <p:cNvPr id="4" name="Text Box 3"/>
+          <p:cNvSpPr txBox="1"/>
+          <p:nvPr/>
+        </p:nvSpPr>
+        <p:spPr>
+          <a:xfrm>
+            <a:off x="1030605" y="3955415"/>
+            <a:ext cx="6096000" cy="368300"/>
+          </a:xfrm>
+          <a:prstGeom prst="rect">
+            <a:avLst/>
+          </a:prstGeom>
+          <a:noFill/>
+        </p:spPr>
+        <p:txBody>
+          <a:bodyPr wrap="square" rtlCol="0" anchor="t">
+            <a:spAutoFit/>
+          </a:bodyPr>
+          <a:p>
+            <a:r>
+              <a:rPr lang="en-US" altLang="en-US"/>
+              <a:t>https://keras.io/api/ </a:t>
+            </a:r>
+            <a:endParaRPr lang="en-US"/>
+          </a:p>
+        </p:txBody>
+      </p:sp>
+    </p:spTree>
+  </p:cSld>
+  <p:clrMapOvr>
+    <a:masterClrMapping/>
+  </p:clrMapOvr>
+</p:sld>
+</file>
+
+<file path=ppt/slides/slide13.xml><?xml version="1.0" encoding="utf-8"?>
+<p:sld xmlns:a="http://schemas.openxmlformats.org/drawingml/2006/main" xmlns:r="http://schemas.openxmlformats.org/officeDocument/2006/relationships" xmlns:p="http://schemas.openxmlformats.org/presentationml/2006/main">
+  <p:cSld>
+    <p:spTree>
+      <p:nvGrpSpPr>
+        <p:cNvPr id="1" name=""/>
+        <p:cNvGrpSpPr/>
+        <p:nvPr/>
+      </p:nvGrpSpPr>
+      <p:grpSpPr/>
+      <p:sp>
+        <p:nvSpPr>
+          <p:cNvPr id="2" name="Text Box 1"/>
+          <p:cNvSpPr txBox="1"/>
+          <p:nvPr/>
+        </p:nvSpPr>
+        <p:spPr>
+          <a:xfrm>
+            <a:off x="232410" y="363855"/>
+            <a:ext cx="4577080" cy="5567045"/>
+          </a:xfrm>
+          <a:prstGeom prst="rect">
+            <a:avLst/>
+          </a:prstGeom>
+        </p:spPr>
+        <p:txBody>
+          <a:bodyPr wrap="square">
+            <a:spAutoFit/>
+          </a:bodyPr>
+          <a:p>
+            <a:pPr>
+              <a:spcAft>
+                <a:spcPct val="60000"/>
+              </a:spcAft>
+            </a:pPr>
+            <a:r>
+              <a:rPr sz="2200" b="1"/>
+              <a:t>Basics of Keras</a:t>
+            </a:r>
+            <a:endParaRPr sz="2200" b="1"/>
+          </a:p>
+          <a:p>
+            <a:r>
+              <a:rPr sz="1600"/>
+              <a:t>1️⃣ What is Keras? Why Use Keras?</a:t>
+            </a:r>
+            <a:endParaRPr sz="1600"/>
+          </a:p>
+          <a:p>
+            <a:r>
+              <a:rPr sz="1600"/>
+              <a:t> 2️⃣ Installing TensorFlow &amp; Keras</a:t>
+            </a:r>
+            <a:endParaRPr sz="1600"/>
+          </a:p>
+          <a:p>
+            <a:r>
+              <a:rPr sz="1600"/>
+              <a:t> 3️⃣ Creating a Simple Neural Network (Basic Keras Example)</a:t>
+            </a:r>
+            <a:endParaRPr sz="1600"/>
+          </a:p>
+          <a:p>
+            <a:endParaRPr sz="1600"/>
+          </a:p>
+          <a:p>
+            <a:pPr>
+              <a:spcAft>
+                <a:spcPct val="60000"/>
+              </a:spcAft>
+            </a:pPr>
+            <a:r>
+              <a:rPr sz="2200" b="1"/>
+              <a:t>🔹 Building Blocks of Keras</a:t>
+            </a:r>
+            <a:endParaRPr sz="2200" b="1"/>
+          </a:p>
+          <a:p>
+            <a:r>
+              <a:rPr sz="1600"/>
+              <a:t>4️⃣ Keras Layers &amp; Activation Functions</a:t>
+            </a:r>
+            <a:endParaRPr sz="1600"/>
+          </a:p>
+          <a:p>
+            <a:r>
+              <a:rPr sz="1600"/>
+              <a:t> 5️⃣ Model Architectures (Sequential vs Functional API)</a:t>
+            </a:r>
+            <a:endParaRPr sz="1600"/>
+          </a:p>
+          <a:p>
+            <a:r>
+              <a:rPr sz="1600"/>
+              <a:t> 6️⃣ Compiling, Training &amp; Evaluating Models</a:t>
+            </a:r>
+            <a:endParaRPr sz="1600"/>
+          </a:p>
+          <a:p>
+            <a:pPr>
+              <a:spcAft>
+                <a:spcPct val="60000"/>
+              </a:spcAft>
+            </a:pPr>
+            <a:endParaRPr sz="2200" b="1"/>
+          </a:p>
+          <a:p>
+            <a:pPr>
+              <a:spcAft>
+                <a:spcPct val="60000"/>
+              </a:spcAft>
+            </a:pPr>
+            <a:r>
+              <a:rPr sz="2200" b="1"/>
+              <a:t>🔹 Data Handling in Keras</a:t>
+            </a:r>
+            <a:endParaRPr sz="2200" b="1"/>
+          </a:p>
+          <a:p>
+            <a:r>
+              <a:rPr sz="1600"/>
+              <a:t>7️⃣ Data Preprocessing &amp; Normalization</a:t>
+            </a:r>
+            <a:endParaRPr sz="1600"/>
+          </a:p>
+          <a:p>
+            <a:r>
+              <a:rPr sz="1600"/>
+              <a:t> 8️⃣ Handling Image, Text &amp; CSV Data</a:t>
+            </a:r>
+            <a:endParaRPr sz="1600"/>
+          </a:p>
+          <a:p>
+            <a:r>
+              <a:rPr sz="1600"/>
+              <a:t> 9️⃣ Data Augmentation Techniques</a:t>
+            </a:r>
+            <a:endParaRPr sz="1600"/>
+          </a:p>
+          <a:p>
+            <a:pPr>
+              <a:spcAft>
+                <a:spcPct val="60000"/>
+              </a:spcAft>
+            </a:pPr>
+            <a:endParaRPr sz="1600"/>
+          </a:p>
+        </p:txBody>
+      </p:sp>
+      <p:sp>
+        <p:nvSpPr>
+          <p:cNvPr id="3" name="Text Box 2"/>
+          <p:cNvSpPr txBox="1"/>
+          <p:nvPr/>
+        </p:nvSpPr>
+        <p:spPr>
+          <a:xfrm>
+            <a:off x="5149215" y="172085"/>
+            <a:ext cx="6096000" cy="3691255"/>
+          </a:xfrm>
+          <a:prstGeom prst="rect">
+            <a:avLst/>
+          </a:prstGeom>
+          <a:noFill/>
+        </p:spPr>
+        <p:txBody>
+          <a:bodyPr wrap="square" rtlCol="0" anchor="t">
+            <a:spAutoFit/>
+          </a:bodyPr>
+          <a:p>
+            <a:pPr>
+              <a:spcAft>
+                <a:spcPct val="60000"/>
+              </a:spcAft>
+            </a:pPr>
+            <a:r>
+              <a:rPr sz="2200" b="1">
+                <a:sym typeface="+mn-ea"/>
+              </a:rPr>
+              <a:t>🔹 Advanced Topics in Keras</a:t>
+            </a:r>
+            <a:endParaRPr sz="2200" b="1"/>
+          </a:p>
+          <a:p>
+            <a:r>
+              <a:rPr sz="1600">
+                <a:sym typeface="+mn-ea"/>
+              </a:rPr>
+              <a:t>🔟 Custom Loss Functions &amp; Metrics</a:t>
+            </a:r>
+            <a:endParaRPr sz="1600"/>
+          </a:p>
+          <a:p>
+            <a:r>
+              <a:rPr sz="1600">
+                <a:sym typeface="+mn-ea"/>
+              </a:rPr>
+              <a:t> 11️⃣ Callbacks (Early Stopping, Model Checkpointing)</a:t>
+            </a:r>
+            <a:endParaRPr sz="1600"/>
+          </a:p>
+          <a:p>
+            <a:r>
+              <a:rPr sz="1600">
+                <a:sym typeface="+mn-ea"/>
+              </a:rPr>
+              <a:t> 12️⃣ Transfer Learning &amp; Fine-Tuning Pretrained Models</a:t>
+            </a:r>
+            <a:endParaRPr sz="1600"/>
+          </a:p>
+          <a:p>
+            <a:r>
+              <a:rPr sz="1600">
+                <a:sym typeface="+mn-ea"/>
+              </a:rPr>
+              <a:t> 13️⃣ Hyperparameter Tuning (Keras Tuner)</a:t>
+            </a:r>
+            <a:endParaRPr sz="1600"/>
+          </a:p>
+          <a:p>
+            <a:r>
+              <a:rPr sz="1600">
+                <a:sym typeface="+mn-ea"/>
+              </a:rPr>
+              <a:t> 14️⃣ Saving &amp; Loading Keras Models</a:t>
+            </a:r>
+            <a:endParaRPr sz="1600"/>
+          </a:p>
+          <a:p>
+            <a:pPr>
+              <a:spcAft>
+                <a:spcPct val="60000"/>
+              </a:spcAft>
+            </a:pPr>
+            <a:r>
+              <a:rPr sz="2200" b="1">
+                <a:sym typeface="+mn-ea"/>
+              </a:rPr>
+              <a:t>🔹 Real-World Use Cases</a:t>
+            </a:r>
+            <a:endParaRPr sz="2200" b="1"/>
+          </a:p>
+          <a:p>
+            <a:r>
+              <a:rPr sz="1600">
+                <a:sym typeface="+mn-ea"/>
+              </a:rPr>
+              <a:t>15️⃣ Image Classification (CNN)</a:t>
+            </a:r>
+            <a:endParaRPr sz="1600"/>
+          </a:p>
+          <a:p>
+            <a:r>
+              <a:rPr sz="1600">
+                <a:sym typeface="+mn-ea"/>
+              </a:rPr>
+              <a:t> 16️⃣ Text Classification (NLP)</a:t>
+            </a:r>
+            <a:endParaRPr sz="1600"/>
+          </a:p>
+          <a:p>
+            <a:r>
+              <a:rPr sz="1600">
+                <a:sym typeface="+mn-ea"/>
+              </a:rPr>
+              <a:t> 17️⃣ Time Series Forecasting (RNN/LSTM)</a:t>
+            </a:r>
+            <a:endParaRPr sz="1600"/>
+          </a:p>
+          <a:p>
+            <a:r>
+              <a:rPr sz="1600">
+                <a:sym typeface="+mn-ea"/>
+              </a:rPr>
+              <a:t> 18️⃣ Object Detection &amp; GANs</a:t>
+            </a:r>
+            <a:endParaRPr sz="1600"/>
+          </a:p>
+          <a:p>
+            <a:r>
+              <a:rPr sz="1600">
+                <a:sym typeface="+mn-ea"/>
+              </a:rPr>
+              <a:t> 19️⃣ Deploying Keras Models (Flask, FastAPI)</a:t>
+            </a:r>
+            <a:endParaRPr lang="en-US" sz="1600">
+              <a:sym typeface="+mn-ea"/>
+            </a:endParaRPr>
+          </a:p>
+        </p:txBody>
+      </p:sp>
+    </p:spTree>
+  </p:cSld>
+  <p:clrMapOvr>
+    <a:masterClrMapping/>
+  </p:clrMapOvr>
+</p:sld>
+</file>
+
+<file path=ppt/slides/slide14.xml><?xml version="1.0" encoding="utf-8"?>
+<p:sld xmlns:a="http://schemas.openxmlformats.org/drawingml/2006/main" xmlns:r="http://schemas.openxmlformats.org/officeDocument/2006/relationships" xmlns:p="http://schemas.openxmlformats.org/presentationml/2006/main">
+  <p:cSld>
+    <p:spTree>
+      <p:nvGrpSpPr>
+        <p:cNvPr id="1" name=""/>
+        <p:cNvGrpSpPr/>
+        <p:nvPr/>
+      </p:nvGrpSpPr>
+      <p:grpSpPr/>
+      <p:sp>
+        <p:nvSpPr>
+          <p:cNvPr id="2" name="Text Box 1"/>
+          <p:cNvSpPr txBox="1"/>
+          <p:nvPr/>
+        </p:nvSpPr>
+        <p:spPr>
+          <a:xfrm>
+            <a:off x="607695" y="335915"/>
+            <a:ext cx="9052560" cy="3667760"/>
+          </a:xfrm>
+          <a:prstGeom prst="rect">
+            <a:avLst/>
+          </a:prstGeom>
+        </p:spPr>
+        <p:txBody>
+          <a:bodyPr>
+            <a:noAutofit/>
+          </a:bodyPr>
+          <a:p>
+            <a:pPr>
+              <a:spcAft>
+                <a:spcPct val="60000"/>
+              </a:spcAft>
+            </a:pPr>
+            <a:r>
+              <a:rPr sz="2300" b="1"/>
+              <a:t>🔰 1️⃣ What is Keras? Why Use Keras?</a:t>
+            </a:r>
+            <a:endParaRPr sz="2300" b="1"/>
+          </a:p>
+          <a:p>
+            <a:r>
+              <a:rPr sz="1600"/>
+              <a:t>Keras is a user-friendly deep learning framework built on TensorFlow that allows quick model development.</a:t>
+            </a:r>
+            <a:endParaRPr sz="1600"/>
+          </a:p>
+          <a:p>
+            <a:r>
+              <a:rPr sz="1600"/>
+              <a:t>✅ Why use Keras?</a:t>
+            </a:r>
+            <a:endParaRPr sz="1600"/>
+          </a:p>
+          <a:p>
+            <a:r>
+              <a:rPr sz="1600"/>
+              <a:t> ✔️ Easy to learn and implement</a:t>
+            </a:r>
+            <a:endParaRPr sz="1600"/>
+          </a:p>
+          <a:p>
+            <a:r>
+              <a:rPr sz="1600"/>
+              <a:t> ✔️ Works with both CPUs and GPUs</a:t>
+            </a:r>
+            <a:endParaRPr sz="1600"/>
+          </a:p>
+          <a:p>
+            <a:r>
+              <a:rPr sz="1600"/>
+              <a:t> ✔️ Supports multiple backends (TensorFlow, Theano, etc.)</a:t>
+            </a:r>
+            <a:endParaRPr sz="1600"/>
+          </a:p>
+          <a:p>
+            <a:r>
+              <a:rPr sz="1600"/>
+              <a:t> ✔️ Prebuilt layers, optimizers, and loss functions</a:t>
+            </a:r>
+            <a:endParaRPr sz="1600"/>
+          </a:p>
+        </p:txBody>
+      </p:sp>
+      <p:sp>
+        <p:nvSpPr>
+          <p:cNvPr id="3" name="Text Box 2"/>
+          <p:cNvSpPr txBox="1"/>
+          <p:nvPr/>
+        </p:nvSpPr>
+        <p:spPr>
+          <a:xfrm>
+            <a:off x="492760" y="2962275"/>
+            <a:ext cx="5080000" cy="1424305"/>
+          </a:xfrm>
+          <a:prstGeom prst="rect">
+            <a:avLst/>
+          </a:prstGeom>
+        </p:spPr>
+        <p:txBody>
+          <a:bodyPr>
+            <a:spAutoFit/>
+          </a:bodyPr>
+          <a:p>
+            <a:pPr>
+              <a:spcAft>
+                <a:spcPct val="60000"/>
+              </a:spcAft>
+            </a:pPr>
+            <a:r>
+              <a:rPr sz="2300" b="1"/>
+              <a:t>🔰 2️⃣ Installing TensorFlow &amp; Keras</a:t>
+            </a:r>
+            <a:endParaRPr sz="2300" b="1"/>
+          </a:p>
+          <a:p>
+            <a:r>
+              <a:rPr sz="1600"/>
+              <a:t>pip install tensorflow
+</a:t>
+            </a:r>
+            <a:endParaRPr sz="1600"/>
+          </a:p>
+          <a:p>
+            <a:r>
+              <a:rPr sz="1600"/>
+              <a:t>✅ Keras is integrated into TensorFlow (tf.keras).</a:t>
+            </a:r>
+            <a:endParaRPr sz="1600"/>
+          </a:p>
+        </p:txBody>
+      </p:sp>
+      <p:sp>
+        <p:nvSpPr>
+          <p:cNvPr id="4" name="Text Box 3"/>
+          <p:cNvSpPr txBox="1"/>
+          <p:nvPr/>
+        </p:nvSpPr>
+        <p:spPr>
+          <a:xfrm>
+            <a:off x="607695" y="4732338"/>
+            <a:ext cx="5080000" cy="1177925"/>
+          </a:xfrm>
+          <a:prstGeom prst="rect">
+            <a:avLst/>
+          </a:prstGeom>
+        </p:spPr>
+        <p:txBody>
+          <a:bodyPr>
+            <a:spAutoFit/>
+          </a:bodyPr>
+          <a:p>
+            <a:pPr>
+              <a:spcAft>
+                <a:spcPct val="60000"/>
+              </a:spcAft>
+            </a:pPr>
+            <a:r>
+              <a:rPr sz="2300" b="1"/>
+              <a:t>Creating a Simple Neural Network</a:t>
+            </a:r>
+            <a:endParaRPr sz="2300" b="1"/>
+          </a:p>
+          <a:p>
+            <a:r>
+              <a:rPr sz="1600"/>
+              <a:t>Let's build a basic neural network for classifying numbers from the MNIST dataset.</a:t>
+            </a:r>
+            <a:endParaRPr sz="1600"/>
+          </a:p>
+        </p:txBody>
+      </p:sp>
+    </p:spTree>
+  </p:cSld>
+  <p:clrMapOvr>
+    <a:masterClrMapping/>
+  </p:clrMapOvr>
+</p:sld>
+</file>
+
+<file path=ppt/slides/slide15.xml><?xml version="1.0" encoding="utf-8"?>
+<p:sld xmlns:a="http://schemas.openxmlformats.org/drawingml/2006/main" xmlns:r="http://schemas.openxmlformats.org/officeDocument/2006/relationships" xmlns:p="http://schemas.openxmlformats.org/presentationml/2006/main">
+  <p:cSld>
+    <p:spTree>
+      <p:nvGrpSpPr>
+        <p:cNvPr id="1" name=""/>
+        <p:cNvGrpSpPr/>
+        <p:nvPr/>
+      </p:nvGrpSpPr>
+      <p:grpSpPr/>
+      <p:sp>
+        <p:nvSpPr>
+          <p:cNvPr id="2" name="Text Box 1"/>
+          <p:cNvSpPr txBox="1"/>
+          <p:nvPr/>
+        </p:nvSpPr>
+        <p:spPr>
+          <a:xfrm>
+            <a:off x="5138420" y="74930"/>
+            <a:ext cx="6891020" cy="3415030"/>
+          </a:xfrm>
+          <a:prstGeom prst="rect">
+            <a:avLst/>
+          </a:prstGeom>
+          <a:noFill/>
+        </p:spPr>
+        <p:txBody>
+          <a:bodyPr wrap="square" rtlCol="0" anchor="t">
+            <a:spAutoFit/>
+          </a:bodyPr>
+          <a:p>
+            <a:endParaRPr lang="en-US" altLang="en-US"/>
+          </a:p>
+          <a:p>
+            <a:r>
+              <a:rPr lang="en-US" altLang="en-US"/>
+              <a:t># Compile model</a:t>
+            </a:r>
+            <a:endParaRPr lang="en-US" altLang="en-US"/>
+          </a:p>
+          <a:p>
+            <a:r>
+              <a:rPr lang="en-US" altLang="en-US"/>
+              <a:t>model.compile(optimizer='adam', loss='sparse_categorical_crossentropy', metrics=['accuracy'])</a:t>
+            </a:r>
+            <a:endParaRPr lang="en-US" altLang="en-US"/>
+          </a:p>
+          <a:p>
+            <a:endParaRPr lang="en-US" altLang="en-US"/>
+          </a:p>
+          <a:p>
+            <a:r>
+              <a:rPr lang="en-US" altLang="en-US"/>
+              <a:t># Train model</a:t>
+            </a:r>
+            <a:endParaRPr lang="en-US" altLang="en-US"/>
+          </a:p>
+          <a:p>
+            <a:r>
+              <a:rPr lang="en-US" altLang="en-US"/>
+              <a:t>model.fit(x_train, y_train, epochs=5)</a:t>
+            </a:r>
+            <a:endParaRPr lang="en-US" altLang="en-US"/>
+          </a:p>
+          <a:p>
+            <a:endParaRPr lang="en-US" altLang="en-US"/>
+          </a:p>
+          <a:p>
+            <a:r>
+              <a:rPr lang="en-US" altLang="en-US"/>
+              <a:t># Evaluate</a:t>
+            </a:r>
+            <a:endParaRPr lang="en-US" altLang="en-US"/>
+          </a:p>
+          <a:p>
+            <a:r>
+              <a:rPr lang="en-US" altLang="en-US"/>
+              <a:t>test_loss, test_acc = model.evaluate(x_test, y_test)</a:t>
+            </a:r>
+            <a:endParaRPr lang="en-US" altLang="en-US"/>
+          </a:p>
+          <a:p>
+            <a:r>
+              <a:rPr lang="en-US" altLang="en-US"/>
+              <a:t>print("Test Accuracy:", test_acc)</a:t>
+            </a:r>
+            <a:endParaRPr lang="en-US" altLang="en-US"/>
+          </a:p>
+          <a:p>
+            <a:endParaRPr lang="en-US"/>
+          </a:p>
+        </p:txBody>
+      </p:sp>
+      <p:sp>
+        <p:nvSpPr>
+          <p:cNvPr id="3" name="Text Box 2"/>
+          <p:cNvSpPr txBox="1"/>
+          <p:nvPr/>
+        </p:nvSpPr>
+        <p:spPr>
+          <a:xfrm>
+            <a:off x="0" y="0"/>
+            <a:ext cx="5137785" cy="5631180"/>
+          </a:xfrm>
+          <a:prstGeom prst="rect">
+            <a:avLst/>
+          </a:prstGeom>
+          <a:noFill/>
+        </p:spPr>
+        <p:txBody>
+          <a:bodyPr wrap="square" rtlCol="0" anchor="t">
+            <a:spAutoFit/>
+          </a:bodyPr>
+          <a:p>
+            <a:r>
+              <a:rPr lang="en-US" altLang="en-US">
+                <a:sym typeface="+mn-ea"/>
+              </a:rPr>
+              <a:t>import tensorflow as tf</a:t>
+            </a:r>
+            <a:endParaRPr lang="en-US" altLang="en-US"/>
+          </a:p>
+          <a:p>
+            <a:r>
+              <a:rPr lang="en-US" altLang="en-US">
+                <a:sym typeface="+mn-ea"/>
+              </a:rPr>
+              <a:t>from tensorflow import keras</a:t>
+            </a:r>
+            <a:endParaRPr lang="en-US" altLang="en-US"/>
+          </a:p>
+          <a:p>
+            <a:r>
+              <a:rPr lang="en-US" altLang="en-US">
+                <a:sym typeface="+mn-ea"/>
+              </a:rPr>
+              <a:t>import numpy as np</a:t>
+            </a:r>
+            <a:endParaRPr lang="en-US" altLang="en-US"/>
+          </a:p>
+          <a:p>
+            <a:endParaRPr lang="en-US" altLang="en-US"/>
+          </a:p>
+          <a:p>
+            <a:r>
+              <a:rPr lang="en-US" altLang="en-US">
+                <a:sym typeface="+mn-ea"/>
+              </a:rPr>
+              <a:t># Load dataset</a:t>
+            </a:r>
+            <a:endParaRPr lang="en-US" altLang="en-US"/>
+          </a:p>
+          <a:p>
+            <a:r>
+              <a:rPr lang="en-US" altLang="en-US">
+                <a:sym typeface="+mn-ea"/>
+              </a:rPr>
+              <a:t>(x_train, y_train), (x_test, y_test) = keras.datasets.mnist.load_data()</a:t>
+            </a:r>
+            <a:endParaRPr lang="en-US" altLang="en-US"/>
+          </a:p>
+          <a:p>
+            <a:endParaRPr lang="en-US" altLang="en-US"/>
+          </a:p>
+          <a:p>
+            <a:r>
+              <a:rPr lang="en-US" altLang="en-US">
+                <a:sym typeface="+mn-ea"/>
+              </a:rPr>
+              <a:t># Normalize data</a:t>
+            </a:r>
+            <a:endParaRPr lang="en-US" altLang="en-US"/>
+          </a:p>
+          <a:p>
+            <a:r>
+              <a:rPr lang="en-US" altLang="en-US">
+                <a:sym typeface="+mn-ea"/>
+              </a:rPr>
+              <a:t>x_train, x_test = x_train / 255.0, x_test / 255.0</a:t>
+            </a:r>
+            <a:endParaRPr lang="en-US" altLang="en-US"/>
+          </a:p>
+          <a:p>
+            <a:endParaRPr lang="en-US" altLang="en-US"/>
+          </a:p>
+          <a:p>
+            <a:r>
+              <a:rPr lang="en-US" altLang="en-US">
+                <a:sym typeface="+mn-ea"/>
+              </a:rPr>
+              <a:t># Create model</a:t>
+            </a:r>
+            <a:endParaRPr lang="en-US" altLang="en-US"/>
+          </a:p>
+          <a:p>
+            <a:r>
+              <a:rPr lang="en-US" altLang="en-US">
+                <a:sym typeface="+mn-ea"/>
+              </a:rPr>
+              <a:t>model = keras.Sequential([</a:t>
+            </a:r>
+            <a:endParaRPr lang="en-US" altLang="en-US"/>
+          </a:p>
+          <a:p>
+            <a:r>
+              <a:rPr lang="en-US" altLang="en-US">
+                <a:sym typeface="+mn-ea"/>
+              </a:rPr>
+              <a:t>    keras.layers.Flatten(input_shape=(28, 28)),  # Input Layer</a:t>
+            </a:r>
+            <a:endParaRPr lang="en-US" altLang="en-US"/>
+          </a:p>
+          <a:p>
+            <a:r>
+              <a:rPr lang="en-US" altLang="en-US">
+                <a:sym typeface="+mn-ea"/>
+              </a:rPr>
+              <a:t>    keras.layers.Dense(128, activation='relu'),  # Hidden Layer</a:t>
+            </a:r>
+            <a:endParaRPr lang="en-US" altLang="en-US"/>
+          </a:p>
+          <a:p>
+            <a:r>
+              <a:rPr lang="en-US" altLang="en-US">
+                <a:sym typeface="+mn-ea"/>
+              </a:rPr>
+              <a:t>    keras.layers.Dense(10, activation='softmax') # Output Layer</a:t>
+            </a:r>
+            <a:endParaRPr lang="en-US" altLang="en-US"/>
+          </a:p>
+          <a:p>
+            <a:r>
+              <a:rPr lang="en-US" altLang="en-US">
+                <a:sym typeface="+mn-ea"/>
+              </a:rPr>
+              <a:t>])</a:t>
+            </a:r>
+            <a:endParaRPr lang="en-US" altLang="en-US">
+              <a:sym typeface="+mn-ea"/>
+            </a:endParaRPr>
+          </a:p>
+        </p:txBody>
+      </p:sp>
+      <p:sp>
+        <p:nvSpPr>
+          <p:cNvPr id="4" name="Text Box 3"/>
+          <p:cNvSpPr txBox="1"/>
+          <p:nvPr/>
+        </p:nvSpPr>
+        <p:spPr>
+          <a:xfrm>
+            <a:off x="2723515" y="5864225"/>
+            <a:ext cx="6718935" cy="368300"/>
+          </a:xfrm>
+          <a:prstGeom prst="rect">
+            <a:avLst/>
+          </a:prstGeom>
+          <a:noFill/>
+        </p:spPr>
+        <p:txBody>
+          <a:bodyPr wrap="square" rtlCol="0">
+            <a:spAutoFit/>
+          </a:bodyPr>
+          <a:p>
+            <a:r>
+              <a:rPr lang="en-US" altLang="en-US"/>
+              <a:t>✅ Use Case: Digit Recognition using MNIST dataset.</a:t>
+            </a:r>
+            <a:endParaRPr lang="en-US" altLang="en-US"/>
+          </a:p>
+        </p:txBody>
+      </p:sp>
+    </p:spTree>
+  </p:cSld>
+  <p:clrMapOvr>
+    <a:masterClrMapping/>
+  </p:clrMapOvr>
+</p:sld>
+</file>
+
+<file path=ppt/slides/slide16.xml><?xml version="1.0" encoding="utf-8"?>
+<p:sld xmlns:a="http://schemas.openxmlformats.org/drawingml/2006/main" xmlns:r="http://schemas.openxmlformats.org/officeDocument/2006/relationships" xmlns:p="http://schemas.openxmlformats.org/presentationml/2006/main">
+  <p:cSld>
+    <p:spTree>
+      <p:nvGrpSpPr>
+        <p:cNvPr id="1" name=""/>
+        <p:cNvGrpSpPr/>
+        <p:nvPr/>
+      </p:nvGrpSpPr>
+      <p:grpSpPr/>
+      <p:sp>
+        <p:nvSpPr>
+          <p:cNvPr id="2" name="Text Box 1"/>
+          <p:cNvSpPr txBox="1"/>
+          <p:nvPr/>
+        </p:nvSpPr>
+        <p:spPr>
+          <a:xfrm>
+            <a:off x="482600" y="300355"/>
+            <a:ext cx="8153400" cy="2655570"/>
+          </a:xfrm>
+          <a:prstGeom prst="rect">
+            <a:avLst/>
+          </a:prstGeom>
+        </p:spPr>
+        <p:txBody>
+          <a:bodyPr wrap="square">
+            <a:spAutoFit/>
+          </a:bodyPr>
+          <a:p>
+            <a:pPr>
+              <a:spcAft>
+                <a:spcPct val="60000"/>
+              </a:spcAft>
+            </a:pPr>
+            <a:r>
+              <a:rPr sz="2300" b="1"/>
+              <a:t>🔰 4️⃣ Keras Layers &amp; Activation Functions</a:t>
+            </a:r>
+            <a:endParaRPr sz="2300" b="1"/>
+          </a:p>
+          <a:p>
+            <a:r>
+              <a:rPr sz="1600"/>
+              <a:t>Keras provides different layers:</a:t>
+            </a:r>
+            <a:endParaRPr sz="1600"/>
+          </a:p>
+          <a:p>
+            <a:r>
+              <a:rPr sz="1600"/>
+              <a:t>python</a:t>
+            </a:r>
+            <a:endParaRPr sz="1600"/>
+          </a:p>
+          <a:p>
+            <a:r>
+              <a:rPr sz="1600"/>
+              <a:t>CopyEdit</a:t>
+            </a:r>
+            <a:endParaRPr sz="1600"/>
+          </a:p>
+          <a:p>
+            <a:r>
+              <a:rPr sz="1600"/>
+              <a:t>keras.layers.Dense(64, activation='relu')  # Fully connected layer
+keras.layers.Conv2D(32, (3,3), activation='relu')  # CNN layer
+keras.layers.LSTM(50)  # LSTM layer for time series
+</a:t>
+            </a:r>
+            <a:endParaRPr sz="1600"/>
+          </a:p>
+          <a:p>
+            <a:r>
+              <a:rPr sz="1600"/>
+              <a:t>✅ Use Case: Image classification, NLP, and time series prediction.</a:t>
+            </a:r>
+            <a:endParaRPr sz="1600"/>
+          </a:p>
+        </p:txBody>
+      </p:sp>
+      <p:sp>
+        <p:nvSpPr>
+          <p:cNvPr id="3" name="Text Box 2"/>
+          <p:cNvSpPr txBox="1"/>
+          <p:nvPr/>
+        </p:nvSpPr>
+        <p:spPr>
+          <a:xfrm>
+            <a:off x="482600" y="3134360"/>
+            <a:ext cx="5958205" cy="2978150"/>
+          </a:xfrm>
+          <a:prstGeom prst="rect">
+            <a:avLst/>
+          </a:prstGeom>
+        </p:spPr>
+        <p:txBody>
+          <a:bodyPr wrap="square">
+            <a:spAutoFit/>
+          </a:bodyPr>
+          <a:p>
+            <a:pPr>
+              <a:spcAft>
+                <a:spcPct val="60000"/>
+              </a:spcAft>
+            </a:pPr>
+            <a:r>
+              <a:rPr sz="2300" b="1"/>
+              <a:t>🔰 5️⃣ Model Architectures</a:t>
+            </a:r>
+            <a:endParaRPr sz="2300" b="1"/>
+          </a:p>
+          <a:p>
+            <a:pPr>
+              <a:spcAft>
+                <a:spcPct val="60000"/>
+              </a:spcAft>
+            </a:pPr>
+            <a:r>
+              <a:rPr sz="2200" b="1"/>
+              <a:t>🔹 Sequential API (Easy to Use)</a:t>
+            </a:r>
+            <a:endParaRPr sz="2200" b="1"/>
+          </a:p>
+          <a:p>
+            <a:r>
+              <a:rPr sz="1600"/>
+              <a:t>python</a:t>
+            </a:r>
+            <a:endParaRPr sz="1600"/>
+          </a:p>
+          <a:p>
+            <a:r>
+              <a:rPr sz="1600"/>
+              <a:t>CopyEdit</a:t>
+            </a:r>
+            <a:endParaRPr sz="1600"/>
+          </a:p>
+          <a:p>
+            <a:r>
+              <a:rPr sz="1600"/>
+              <a:t>model = keras.Sequential([
+    keras.layers.Dense(64, activation='relu', input_shape=(10,)),
+    keras.layers.Dense(32, activation='relu'),
+    keras.layers.Dense(1, activation='sigmoid')
+])</a:t>
+            </a:r>
+            <a:endParaRPr sz="1600"/>
+          </a:p>
+        </p:txBody>
+      </p:sp>
+    </p:spTree>
+  </p:cSld>
+  <p:clrMapOvr>
+    <a:masterClrMapping/>
+  </p:clrMapOvr>
+</p:sld>
+</file>
+
+<file path=ppt/slides/slide17.xml><?xml version="1.0" encoding="utf-8"?>
+<p:sld xmlns:a="http://schemas.openxmlformats.org/drawingml/2006/main" xmlns:r="http://schemas.openxmlformats.org/officeDocument/2006/relationships" xmlns:p="http://schemas.openxmlformats.org/presentationml/2006/main">
+  <p:cSld>
+    <p:spTree>
+      <p:nvGrpSpPr>
+        <p:cNvPr id="1" name=""/>
+        <p:cNvGrpSpPr/>
+        <p:nvPr/>
+      </p:nvGrpSpPr>
+      <p:grpSpPr/>
+      <p:sp>
+        <p:nvSpPr>
+          <p:cNvPr id="2" name="Text Box 1"/>
+          <p:cNvSpPr txBox="1"/>
+          <p:nvPr/>
+        </p:nvSpPr>
+        <p:spPr>
+          <a:xfrm>
+            <a:off x="200660" y="69215"/>
+            <a:ext cx="6271260" cy="3122295"/>
+          </a:xfrm>
+          <a:prstGeom prst="rect">
+            <a:avLst/>
+          </a:prstGeom>
+        </p:spPr>
+        <p:txBody>
+          <a:bodyPr wrap="square">
+            <a:spAutoFit/>
+          </a:bodyPr>
+          <a:p>
+            <a:pPr>
+              <a:spcAft>
+                <a:spcPct val="60000"/>
+              </a:spcAft>
+            </a:pPr>
+            <a:r>
+              <a:rPr sz="2200" b="1"/>
+              <a:t>🔹 Functional API (For Complex Models)</a:t>
+            </a:r>
+            <a:endParaRPr sz="2200" b="1"/>
+          </a:p>
+          <a:p>
+            <a:r>
+              <a:rPr sz="1600"/>
+              <a:t>python</a:t>
+            </a:r>
+            <a:endParaRPr sz="1600"/>
+          </a:p>
+          <a:p>
+            <a:r>
+              <a:rPr sz="1600"/>
+              <a:t>CopyEdit</a:t>
+            </a:r>
+            <a:endParaRPr sz="1600"/>
+          </a:p>
+          <a:p>
+            <a:r>
+              <a:rPr sz="1600"/>
+              <a:t>inputs = keras.Input(shape=(10,))
+x = keras.layers.Dense(64, activation='relu')(inputs)
+x = keras.layers.Dense(32, activation='relu')(x)
+outputs = keras.layers.Dense(1, activation='sigmoid')(x)
+model = keras.Model(inputs, outputs)
+</a:t>
+            </a:r>
+            <a:endParaRPr sz="1600"/>
+          </a:p>
+          <a:p>
+            <a:r>
+              <a:rPr sz="1600"/>
+              <a:t>✅ Use Case: Functional API is used for multi-input &amp; multi-output models.</a:t>
+            </a:r>
+            <a:endParaRPr sz="1600"/>
+          </a:p>
+        </p:txBody>
+      </p:sp>
+      <p:sp>
+        <p:nvSpPr>
+          <p:cNvPr id="3" name="Text Box 2"/>
+          <p:cNvSpPr txBox="1"/>
+          <p:nvPr/>
+        </p:nvSpPr>
+        <p:spPr>
+          <a:xfrm>
+            <a:off x="398780" y="3275330"/>
+            <a:ext cx="7264400" cy="2409190"/>
+          </a:xfrm>
+          <a:prstGeom prst="rect">
+            <a:avLst/>
+          </a:prstGeom>
+        </p:spPr>
+        <p:txBody>
+          <a:bodyPr wrap="square">
+            <a:spAutoFit/>
+          </a:bodyPr>
+          <a:p>
+            <a:pPr>
+              <a:spcAft>
+                <a:spcPct val="60000"/>
+              </a:spcAft>
+            </a:pPr>
+            <a:r>
+              <a:rPr sz="2300" b="1"/>
+              <a:t>🔰 6️⃣ Compiling, Training &amp; Evaluating Models</a:t>
+            </a:r>
+            <a:endParaRPr sz="2300" b="1"/>
+          </a:p>
+          <a:p>
+            <a:r>
+              <a:rPr sz="1600"/>
+              <a:t>python</a:t>
+            </a:r>
+            <a:endParaRPr sz="1600"/>
+          </a:p>
+          <a:p>
+            <a:r>
+              <a:rPr sz="1600"/>
+              <a:t>CopyEdit</a:t>
+            </a:r>
+            <a:endParaRPr sz="1600"/>
+          </a:p>
+          <a:p>
+            <a:r>
+              <a:rPr sz="1600"/>
+              <a:t>model.compile(optimizer='adam', loss='binary_crossentropy', metrics=['accuracy'])
+model.fit(X_train, y_train, epochs=10, batch_size=32, validation_split=0.2)
+model.evaluate(X_test, y_test)
+</a:t>
+            </a:r>
+            <a:endParaRPr sz="1600"/>
+          </a:p>
+          <a:p>
+            <a:r>
+              <a:rPr sz="1600"/>
+              <a:t>✅ Use Case: Fine-tuning deep learning models.</a:t>
+            </a:r>
+            <a:endParaRPr sz="1600"/>
+          </a:p>
+        </p:txBody>
+      </p:sp>
+    </p:spTree>
+  </p:cSld>
+  <p:clrMapOvr>
+    <a:masterClrMapping/>
+  </p:clrMapOvr>
+</p:sld>
+</file>
+
+<file path=ppt/slides/slide18.xml><?xml version="1.0" encoding="utf-8"?>
+<p:sld xmlns:a="http://schemas.openxmlformats.org/drawingml/2006/main" xmlns:r="http://schemas.openxmlformats.org/officeDocument/2006/relationships" xmlns:p="http://schemas.openxmlformats.org/presentationml/2006/main">
+  <p:cSld>
+    <p:spTree>
+      <p:nvGrpSpPr>
+        <p:cNvPr id="1" name=""/>
+        <p:cNvGrpSpPr/>
+        <p:nvPr/>
+      </p:nvGrpSpPr>
+      <p:grpSpPr/>
+      <p:sp>
+        <p:nvSpPr>
+          <p:cNvPr id="2" name="Text Box 1"/>
+          <p:cNvSpPr txBox="1"/>
+          <p:nvPr/>
+        </p:nvSpPr>
+        <p:spPr>
+          <a:xfrm>
+            <a:off x="388620" y="161290"/>
+            <a:ext cx="7985760" cy="3147695"/>
+          </a:xfrm>
+          <a:prstGeom prst="rect">
+            <a:avLst/>
+          </a:prstGeom>
+        </p:spPr>
+        <p:txBody>
+          <a:bodyPr wrap="square">
+            <a:spAutoFit/>
+          </a:bodyPr>
+          <a:p>
+            <a:pPr>
+              <a:spcAft>
+                <a:spcPct val="60000"/>
+              </a:spcAft>
+            </a:pPr>
+            <a:r>
+              <a:rPr sz="2300" b="1"/>
+              <a:t>🔰 7️⃣ Data Preprocessing &amp; Normalization</a:t>
+            </a:r>
+            <a:endParaRPr sz="2300" b="1"/>
+          </a:p>
+          <a:p>
+            <a:r>
+              <a:rPr sz="1600"/>
+              <a:t>python</a:t>
+            </a:r>
+            <a:endParaRPr sz="1600"/>
+          </a:p>
+          <a:p>
+            <a:r>
+              <a:rPr sz="1600"/>
+              <a:t>CopyEdit</a:t>
+            </a:r>
+            <a:endParaRPr sz="1600"/>
+          </a:p>
+          <a:p>
+            <a:r>
+              <a:rPr sz="1600"/>
+              <a:t>from tensorflow.keras.preprocessing.image import ImageDataGenerator
+datagen = ImageDataGenerator(rescale=1./255, rotation_range=20, width_shift_range=0.2)
+train_generator = datagen.flow_from_directory("dataset/train", target_size=(150, 150), batch_size=32, class_mode='binary')
+</a:t>
+            </a:r>
+            <a:endParaRPr sz="1600"/>
+          </a:p>
+          <a:p>
+            <a:r>
+              <a:rPr sz="1600"/>
+              <a:t>✅ Use Case:Image Augmentation for better model performance.</a:t>
+            </a:r>
+            <a:endParaRPr sz="1600"/>
+          </a:p>
+        </p:txBody>
+      </p:sp>
+      <p:sp>
+        <p:nvSpPr>
+          <p:cNvPr id="3" name="Text Box 2"/>
+          <p:cNvSpPr txBox="1"/>
+          <p:nvPr/>
+        </p:nvSpPr>
+        <p:spPr>
+          <a:xfrm>
+            <a:off x="461645" y="3429000"/>
+            <a:ext cx="6877685" cy="2655570"/>
+          </a:xfrm>
+          <a:prstGeom prst="rect">
+            <a:avLst/>
+          </a:prstGeom>
+        </p:spPr>
+        <p:txBody>
+          <a:bodyPr wrap="square">
+            <a:spAutoFit/>
+          </a:bodyPr>
+          <a:p>
+            <a:pPr>
+              <a:spcAft>
+                <a:spcPct val="60000"/>
+              </a:spcAft>
+            </a:pPr>
+            <a:r>
+              <a:rPr sz="2300" b="1"/>
+              <a:t>🔰 8️⃣ Handling CSV &amp; Text Data</a:t>
+            </a:r>
+            <a:endParaRPr sz="2300" b="1"/>
+          </a:p>
+          <a:p>
+            <a:r>
+              <a:rPr sz="1600"/>
+              <a:t>python</a:t>
+            </a:r>
+            <a:endParaRPr sz="1600"/>
+          </a:p>
+          <a:p>
+            <a:r>
+              <a:rPr sz="1600"/>
+              <a:t>CopyEdit</a:t>
+            </a:r>
+            <a:endParaRPr sz="1600"/>
+          </a:p>
+          <a:p>
+            <a:r>
+              <a:rPr sz="1600"/>
+              <a:t>import pandas as pd
+df = pd.read_csv("data.csv")
+X = df.drop("target", axis=1).values
+y = df["target"].values
+</a:t>
+            </a:r>
+            <a:endParaRPr sz="1600"/>
+          </a:p>
+          <a:p>
+            <a:r>
+              <a:rPr sz="1600"/>
+              <a:t>✅ Use Case:Loading CSV for structured data models.</a:t>
+            </a:r>
+            <a:endParaRPr sz="1600"/>
+          </a:p>
+        </p:txBody>
+      </p:sp>
+    </p:spTree>
+  </p:cSld>
+  <p:clrMapOvr>
+    <a:masterClrMapping/>
+  </p:clrMapOvr>
+</p:sld>
+</file>
+
+<file path=ppt/slides/slide19.xml><?xml version="1.0" encoding="utf-8"?>
+<p:sld xmlns:a="http://schemas.openxmlformats.org/drawingml/2006/main" xmlns:r="http://schemas.openxmlformats.org/officeDocument/2006/relationships" xmlns:p="http://schemas.openxmlformats.org/presentationml/2006/main">
+  <p:cSld>
+    <p:spTree>
+      <p:nvGrpSpPr>
+        <p:cNvPr id="1" name=""/>
+        <p:cNvGrpSpPr/>
+        <p:nvPr/>
+      </p:nvGrpSpPr>
+      <p:grpSpPr/>
+      <p:sp>
+        <p:nvSpPr>
+          <p:cNvPr id="2" name="Text Box 1"/>
+          <p:cNvSpPr txBox="1"/>
+          <p:nvPr/>
+        </p:nvSpPr>
+        <p:spPr>
+          <a:xfrm>
+            <a:off x="462280" y="339090"/>
+            <a:ext cx="7536180" cy="2655570"/>
+          </a:xfrm>
+          <a:prstGeom prst="rect">
+            <a:avLst/>
+          </a:prstGeom>
+        </p:spPr>
+        <p:txBody>
+          <a:bodyPr wrap="square">
+            <a:spAutoFit/>
+          </a:bodyPr>
+          <a:p>
+            <a:pPr>
+              <a:spcAft>
+                <a:spcPct val="60000"/>
+              </a:spcAft>
+            </a:pPr>
+            <a:r>
+              <a:rPr sz="2300" b="1"/>
+              <a:t>🔰 🔟 Custom Loss Functions &amp; Metrics</a:t>
+            </a:r>
+            <a:endParaRPr sz="2300" b="1"/>
+          </a:p>
+          <a:p>
+            <a:r>
+              <a:rPr sz="1600"/>
+              <a:t>python</a:t>
+            </a:r>
+            <a:endParaRPr sz="1600"/>
+          </a:p>
+          <a:p>
+            <a:r>
+              <a:rPr sz="1600"/>
+              <a:t>CopyEdit</a:t>
+            </a:r>
+            <a:endParaRPr sz="1600"/>
+          </a:p>
+          <a:p>
+            <a:r>
+              <a:rPr sz="1600"/>
+              <a:t>defcustom_loss(y_true, y_pred):
+    return tf.reduce_mean(tf.square(y_true - y_pred))  # Mean Squared Error
+model.compile(optimizer='adam', loss=custom_loss, metrics=['accuracy'])
+</a:t>
+            </a:r>
+            <a:endParaRPr sz="1600"/>
+          </a:p>
+          <a:p>
+            <a:r>
+              <a:rPr sz="1600"/>
+              <a:t>✅ Use Case: Custom loss for specific applications.</a:t>
+            </a:r>
+            <a:endParaRPr sz="1600"/>
+          </a:p>
+        </p:txBody>
+      </p:sp>
+      <p:sp>
+        <p:nvSpPr>
+          <p:cNvPr id="3" name="Text Box 2"/>
+          <p:cNvSpPr txBox="1"/>
+          <p:nvPr/>
+        </p:nvSpPr>
+        <p:spPr>
+          <a:xfrm>
+            <a:off x="241300" y="3072765"/>
+            <a:ext cx="8321040" cy="2409190"/>
+          </a:xfrm>
+          <a:prstGeom prst="rect">
+            <a:avLst/>
+          </a:prstGeom>
+        </p:spPr>
+        <p:txBody>
+          <a:bodyPr wrap="square">
+            <a:spAutoFit/>
+          </a:bodyPr>
+          <a:p>
+            <a:pPr>
+              <a:spcAft>
+                <a:spcPct val="60000"/>
+              </a:spcAft>
+            </a:pPr>
+            <a:r>
+              <a:rPr sz="2300" b="1"/>
+              <a:t>🔰 11 Callbacks (Early Stopping &amp; Model Checkpoints)</a:t>
+            </a:r>
+            <a:endParaRPr sz="2300" b="1"/>
+          </a:p>
+          <a:p>
+            <a:r>
+              <a:rPr sz="1600"/>
+              <a:t>callbacks = [
+    keras.callbacks.EarlyStopping(patience=3, monitor='val_loss'),
+    keras.callbacks.ModelCheckpoint("best_model.h5", save_best_only=True)
+]
+model.fit(X_train, y_train, epochs=50, validation_split=0.2, callbacks=callbacks)
+</a:t>
+            </a:r>
+            <a:endParaRPr sz="1600"/>
+          </a:p>
+          <a:p>
+            <a:r>
+              <a:rPr sz="1600"/>
+              <a:t>✅ Use Case: Save the best model automatically.</a:t>
+            </a:r>
+            <a:endParaRPr sz="1600"/>
+          </a:p>
+        </p:txBody>
+      </p:sp>
+    </p:spTree>
+  </p:cSld>
+  <p:clrMapOvr>
+    <a:masterClrMapping/>
+  </p:clrMapOvr>
+</p:sld>
+</file>
+
 <file path=ppt/slides/slide2.xml><?xml version="1.0" encoding="utf-8"?>
 <p:sld xmlns:a="http://schemas.openxmlformats.org/drawingml/2006/main" xmlns:r="http://schemas.openxmlformats.org/officeDocument/2006/relationships" xmlns:p="http://schemas.openxmlformats.org/presentationml/2006/main">
   <p:cSld>
@@ -4115,6 +5619,290 @@
           </a:prstGeom>
         </p:spPr>
       </p:pic>
+    </p:spTree>
+  </p:cSld>
+  <p:clrMapOvr>
+    <a:masterClrMapping/>
+  </p:clrMapOvr>
+</p:sld>
+</file>
+
+<file path=ppt/slides/slide20.xml><?xml version="1.0" encoding="utf-8"?>
+<p:sld xmlns:a="http://schemas.openxmlformats.org/drawingml/2006/main" xmlns:r="http://schemas.openxmlformats.org/officeDocument/2006/relationships" xmlns:p="http://schemas.openxmlformats.org/presentationml/2006/main">
+  <p:cSld>
+    <p:spTree>
+      <p:nvGrpSpPr>
+        <p:cNvPr id="1" name=""/>
+        <p:cNvGrpSpPr/>
+        <p:nvPr/>
+      </p:nvGrpSpPr>
+      <p:grpSpPr/>
+      <p:sp>
+        <p:nvSpPr>
+          <p:cNvPr id="2" name="Text Box 1"/>
+          <p:cNvSpPr txBox="1"/>
+          <p:nvPr/>
+        </p:nvSpPr>
+        <p:spPr>
+          <a:xfrm>
+            <a:off x="429895" y="293370"/>
+            <a:ext cx="7944485" cy="4378960"/>
+          </a:xfrm>
+          <a:prstGeom prst="rect">
+            <a:avLst/>
+          </a:prstGeom>
+        </p:spPr>
+        <p:txBody>
+          <a:bodyPr wrap="square">
+            <a:spAutoFit/>
+          </a:bodyPr>
+          <a:p>
+            <a:pPr>
+              <a:spcAft>
+                <a:spcPct val="60000"/>
+              </a:spcAft>
+            </a:pPr>
+            <a:r>
+              <a:rPr sz="2300" b="1"/>
+              <a:t>🔰 12 Transfer Learning (Using Pretrained Models)</a:t>
+            </a:r>
+            <a:endParaRPr sz="2300" b="1"/>
+          </a:p>
+          <a:p>
+            <a:r>
+              <a:rPr sz="1600"/>
+              <a:t>python</a:t>
+            </a:r>
+            <a:endParaRPr sz="1600"/>
+          </a:p>
+          <a:p>
+            <a:r>
+              <a:rPr sz="1600"/>
+              <a:t>CopyEdit</a:t>
+            </a:r>
+            <a:endParaRPr sz="1600"/>
+          </a:p>
+          <a:p>
+            <a:r>
+              <a:rPr sz="1600"/>
+              <a:t>base_model = keras.applications.VGG16(weights='imagenet', include_top=False, input_shape=(224,224,3))
+for layer in base_model.layers:
+    layer.trainable = False
+model = keras.Sequential([
+    base_model,
+    keras.layers.Flatten(),
+    keras.layers.Dense(256, activation='relu'),
+    keras.layers.Dense(1, activation='sigmoid')
+])
+</a:t>
+            </a:r>
+            <a:endParaRPr sz="1600"/>
+          </a:p>
+          <a:p>
+            <a:r>
+              <a:rPr sz="1600"/>
+              <a:t>✅ Use Case:Fine-tuning a powerful model like VGG16 for new tasks.</a:t>
+            </a:r>
+            <a:endParaRPr sz="1600"/>
+          </a:p>
+        </p:txBody>
+      </p:sp>
+    </p:spTree>
+  </p:cSld>
+  <p:clrMapOvr>
+    <a:masterClrMapping/>
+  </p:clrMapOvr>
+</p:sld>
+</file>
+
+<file path=ppt/slides/slide21.xml><?xml version="1.0" encoding="utf-8"?>
+<p:sld xmlns:a="http://schemas.openxmlformats.org/drawingml/2006/main" xmlns:r="http://schemas.openxmlformats.org/officeDocument/2006/relationships" xmlns:p="http://schemas.openxmlformats.org/presentationml/2006/main">
+  <p:cSld>
+    <p:spTree>
+      <p:nvGrpSpPr>
+        <p:cNvPr id="1" name=""/>
+        <p:cNvGrpSpPr/>
+        <p:nvPr/>
+      </p:nvGrpSpPr>
+      <p:grpSpPr/>
+      <p:sp>
+        <p:nvSpPr>
+          <p:cNvPr id="2" name="Text Box 1"/>
+          <p:cNvSpPr txBox="1"/>
+          <p:nvPr/>
+        </p:nvSpPr>
+        <p:spPr>
+          <a:xfrm>
+            <a:off x="430530" y="192405"/>
+            <a:ext cx="8121650" cy="3886835"/>
+          </a:xfrm>
+          <a:prstGeom prst="rect">
+            <a:avLst/>
+          </a:prstGeom>
+        </p:spPr>
+        <p:txBody>
+          <a:bodyPr wrap="square">
+            <a:spAutoFit/>
+          </a:bodyPr>
+          <a:p>
+            <a:pPr>
+              <a:spcAft>
+                <a:spcPct val="60000"/>
+              </a:spcAft>
+            </a:pPr>
+            <a:r>
+              <a:rPr sz="2300" b="1"/>
+              <a:t>🔰 15 Image Classification Example (CNN)</a:t>
+            </a:r>
+            <a:endParaRPr sz="2300" b="1"/>
+          </a:p>
+          <a:p>
+            <a:r>
+              <a:rPr sz="1600"/>
+              <a:t>python</a:t>
+            </a:r>
+            <a:endParaRPr sz="1600"/>
+          </a:p>
+          <a:p>
+            <a:r>
+              <a:rPr sz="1600"/>
+              <a:t>CopyEdit</a:t>
+            </a:r>
+            <a:endParaRPr sz="1600"/>
+          </a:p>
+          <a:p>
+            <a:r>
+              <a:rPr sz="1600"/>
+              <a:t>model = keras.Sequential([
+    keras.layers.Conv2D(32, (3,3), activation='relu', input_shape=(64, 64, 3)),
+    keras.layers.MaxPooling2D(2,2),
+    keras.layers.Conv2D(64, (3,3), activation='relu'),
+    keras.layers.MaxPooling2D(2,2),
+    keras.layers.Flatten(),
+    keras.layers.Dense(128, activation='relu'),
+    keras.layers.Dense(1, activation='sigmoid')
+])
+</a:t>
+            </a:r>
+            <a:endParaRPr sz="1600"/>
+          </a:p>
+          <a:p>
+            <a:r>
+              <a:rPr sz="1600"/>
+              <a:t>✅ Use Case:Dog vs. Cat Classification.</a:t>
+            </a:r>
+            <a:endParaRPr sz="1600"/>
+          </a:p>
+        </p:txBody>
+      </p:sp>
+    </p:spTree>
+  </p:cSld>
+  <p:clrMapOvr>
+    <a:masterClrMapping/>
+  </p:clrMapOvr>
+</p:sld>
+</file>
+
+<file path=ppt/slides/slide22.xml><?xml version="1.0" encoding="utf-8"?>
+<p:sld xmlns:a="http://schemas.openxmlformats.org/drawingml/2006/main" xmlns:r="http://schemas.openxmlformats.org/officeDocument/2006/relationships" xmlns:p="http://schemas.openxmlformats.org/presentationml/2006/main">
+  <p:cSld>
+    <p:spTree>
+      <p:nvGrpSpPr>
+        <p:cNvPr id="1" name=""/>
+        <p:cNvGrpSpPr/>
+        <p:nvPr/>
+      </p:nvGrpSpPr>
+      <p:grpSpPr/>
+      <p:sp>
+        <p:nvSpPr>
+          <p:cNvPr id="2" name="Text Box 1"/>
+          <p:cNvSpPr txBox="1"/>
+          <p:nvPr/>
+        </p:nvSpPr>
+        <p:spPr>
+          <a:xfrm>
+            <a:off x="482600" y="26670"/>
+            <a:ext cx="8153400" cy="5711825"/>
+          </a:xfrm>
+          <a:prstGeom prst="rect">
+            <a:avLst/>
+          </a:prstGeom>
+        </p:spPr>
+        <p:txBody>
+          <a:bodyPr wrap="square">
+            <a:spAutoFit/>
+          </a:bodyPr>
+          <a:p>
+            <a:pPr>
+              <a:spcAft>
+                <a:spcPct val="60000"/>
+              </a:spcAft>
+            </a:pPr>
+            <a:r>
+              <a:rPr sz="2300" b="1"/>
+              <a:t>🔰 19 Deploying Keras Models with Flask</a:t>
+            </a:r>
+            <a:endParaRPr sz="2300" b="1"/>
+          </a:p>
+          <a:p>
+            <a:r>
+              <a:rPr sz="1600"/>
+              <a:t>from flask import Flask, request, jsonify
+import tensorflow as tf
+app = Flask(__name__)
+model = tf.keras.models.load_model("best_model.h5")
+@app.route("/predict", methods=["POST"])
+defpredict():
+    data = request.json["input"]
+    prediction = model.predict([data])
+    return jsonify({"prediction": prediction.tolist()})
+app.run()
+</a:t>
+            </a:r>
+            <a:endParaRPr sz="1600"/>
+          </a:p>
+          <a:p>
+            <a:r>
+              <a:rPr sz="1600"/>
+              <a:t>✅ Use Case: Deploy model as an API using Flask.</a:t>
+            </a:r>
+            <a:endParaRPr sz="1600"/>
+          </a:p>
+          <a:p>
+            <a:pPr>
+              <a:spcAft>
+                <a:spcPct val="60000"/>
+              </a:spcAft>
+            </a:pPr>
+            <a:r>
+              <a:rPr sz="2300" b="1"/>
+              <a:t>🎯 Summary</a:t>
+            </a:r>
+            <a:endParaRPr sz="2300" b="1"/>
+          </a:p>
+          <a:p>
+            <a:r>
+              <a:rPr sz="1600"/>
+              <a:t>🚀 Beginner to Advanced Keras Covered!</a:t>
+            </a:r>
+            <a:endParaRPr sz="1600"/>
+          </a:p>
+          <a:p>
+            <a:r>
+              <a:rPr sz="1600"/>
+              <a:t> 📌 With Code, Examples, &amp; Use Cases</a:t>
+            </a:r>
+            <a:endParaRPr sz="1600"/>
+          </a:p>
+          <a:p>
+            <a:r>
+              <a:rPr sz="1600"/>
+              <a:t> 💡 Would you like additional project-based learning (e.g., chatbot, GANs, LSTM)?</a:t>
+            </a:r>
+            <a:endParaRPr sz="1600"/>
+          </a:p>
+        </p:txBody>
+      </p:sp>
     </p:spTree>
   </p:cSld>
   <p:clrMapOvr>
